--- a/documents/diagrams/AutoML_pipeline_diagrams.pptx
+++ b/documents/diagrams/AutoML_pipeline_diagrams.pptx
@@ -116,6 +116,11 @@
       </a:defRPr>
     </a:lvl9pPr>
   </p:defaultTextStyle>
+  <p:extLst>
+    <p:ext uri="{EFAFB233-063F-42B5-8137-9DF3F51BA10A}">
+      <p15:sldGuideLst xmlns:p15="http://schemas.microsoft.com/office/powerpoint/2012/main"/>
+    </p:ext>
+  </p:extLst>
 </p:presentation>
 </file>
 
@@ -9079,7 +9084,7 @@
               </a:spcBef>
             </a:pPr>
             <a:r>
-              <a:rPr lang="de-DE" sz="1400" b="0" strike="noStrike" spc="-1">
+              <a:rPr lang="de-DE" sz="1400" b="0" strike="noStrike" spc="-1" dirty="0">
                 <a:solidFill>
                   <a:srgbClr val="000000"/>
                 </a:solidFill>
@@ -9088,7 +9093,7 @@
               </a:rPr>
               <a:t>Pipeline</a:t>
             </a:r>
-            <a:endParaRPr lang="en-US" sz="1400" b="0" strike="noStrike" spc="-1">
+            <a:endParaRPr lang="en-US" sz="1400" b="0" strike="noStrike" spc="-1" dirty="0">
               <a:latin typeface="Arial"/>
             </a:endParaRPr>
           </a:p>
@@ -9239,7 +9244,7 @@
                 </a:lnSpc>
               </a:pPr>
               <a:r>
-                <a:rPr lang="en-US" sz="1050" b="0" strike="noStrike" spc="-1">
+                <a:rPr lang="en-US" sz="1050" b="0" strike="noStrike" spc="-1" dirty="0" err="1">
                   <a:solidFill>
                     <a:srgbClr val="FF0000"/>
                   </a:solidFill>
@@ -9248,7 +9253,7 @@
                 </a:rPr>
                 <a:t>AutoMLPipeline</a:t>
               </a:r>
-              <a:endParaRPr lang="en-US" sz="1050" b="0" strike="noStrike" spc="-1">
+              <a:endParaRPr lang="en-US" sz="1050" b="0" strike="noStrike" spc="-1" dirty="0">
                 <a:latin typeface="Arial"/>
               </a:endParaRPr>
             </a:p>
@@ -9938,16 +9943,16 @@
               </a:spcBef>
             </a:pPr>
             <a:r>
-              <a:rPr lang="de-DE" sz="1400" b="0" strike="noStrike" spc="-1">
+              <a:rPr lang="de-DE" sz="1400" b="0" strike="noStrike" spc="-1" dirty="0" err="1">
                 <a:solidFill>
                   <a:srgbClr val="000000"/>
                 </a:solidFill>
                 <a:latin typeface="Arial"/>
                 <a:ea typeface="ＭＳ Ｐゴシック"/>
               </a:rPr>
-              <a:t>PytorchPipeline</a:t>
+              <a:t>PythonPipeline</a:t>
             </a:r>
-            <a:endParaRPr lang="en-US" sz="1400" b="0" strike="noStrike" spc="-1">
+            <a:endParaRPr lang="en-US" sz="1400" b="0" strike="noStrike" spc="-1" dirty="0">
               <a:latin typeface="Arial"/>
             </a:endParaRPr>
           </a:p>
